--- a/New Microsoft PowerPoint Presentation (2).pptx
+++ b/New Microsoft PowerPoint Presentation (2).pptx
@@ -8,14 +8,14 @@
     <p:sldId id="256" r:id="rId2"/>
     <p:sldId id="257" r:id="rId3"/>
     <p:sldId id="258" r:id="rId4"/>
-    <p:sldId id="259" r:id="rId5"/>
-    <p:sldId id="260" r:id="rId6"/>
-    <p:sldId id="261" r:id="rId7"/>
-    <p:sldId id="262" r:id="rId8"/>
-    <p:sldId id="263" r:id="rId9"/>
-    <p:sldId id="264" r:id="rId10"/>
-    <p:sldId id="265" r:id="rId11"/>
-    <p:sldId id="266" r:id="rId12"/>
+    <p:sldId id="260" r:id="rId5"/>
+    <p:sldId id="261" r:id="rId6"/>
+    <p:sldId id="262" r:id="rId7"/>
+    <p:sldId id="263" r:id="rId8"/>
+    <p:sldId id="264" r:id="rId9"/>
+    <p:sldId id="265" r:id="rId10"/>
+    <p:sldId id="266" r:id="rId11"/>
+    <p:sldId id="269" r:id="rId12"/>
     <p:sldId id="267" r:id="rId13"/>
   </p:sldIdLst>
   <p:sldSz cx="12192000" cy="6858000"/>
@@ -311,7 +311,7 @@
           <a:p>
             <a:fld id="{78A69F99-32D1-4BAD-8B28-78324B83F8E4}" type="datetimeFigureOut">
               <a:rPr lang="en-US" smtClean="0"/>
-              <a:t>2/11/2020</a:t>
+              <a:t>2/12/2020</a:t>
             </a:fld>
             <a:endParaRPr lang="en-US"/>
           </a:p>
@@ -649,7 +649,7 @@
           <a:p>
             <a:fld id="{78A69F99-32D1-4BAD-8B28-78324B83F8E4}" type="datetimeFigureOut">
               <a:rPr lang="en-US" smtClean="0"/>
-              <a:t>2/11/2020</a:t>
+              <a:t>2/12/2020</a:t>
             </a:fld>
             <a:endParaRPr lang="en-US"/>
           </a:p>
@@ -1050,7 +1050,7 @@
           <a:p>
             <a:fld id="{78A69F99-32D1-4BAD-8B28-78324B83F8E4}" type="datetimeFigureOut">
               <a:rPr lang="en-US" smtClean="0"/>
-              <a:t>2/11/2020</a:t>
+              <a:t>2/12/2020</a:t>
             </a:fld>
             <a:endParaRPr lang="en-US"/>
           </a:p>
@@ -1386,7 +1386,7 @@
           <a:p>
             <a:fld id="{78A69F99-32D1-4BAD-8B28-78324B83F8E4}" type="datetimeFigureOut">
               <a:rPr lang="en-US" smtClean="0"/>
-              <a:t>2/11/2020</a:t>
+              <a:t>2/12/2020</a:t>
             </a:fld>
             <a:endParaRPr lang="en-US"/>
           </a:p>
@@ -1706,7 +1706,7 @@
           <a:p>
             <a:fld id="{78A69F99-32D1-4BAD-8B28-78324B83F8E4}" type="datetimeFigureOut">
               <a:rPr lang="en-US" smtClean="0"/>
-              <a:t>2/11/2020</a:t>
+              <a:t>2/12/2020</a:t>
             </a:fld>
             <a:endParaRPr lang="en-US"/>
           </a:p>
@@ -2102,7 +2102,7 @@
           <a:p>
             <a:fld id="{78A69F99-32D1-4BAD-8B28-78324B83F8E4}" type="datetimeFigureOut">
               <a:rPr lang="en-US" smtClean="0"/>
-              <a:t>2/11/2020</a:t>
+              <a:t>2/12/2020</a:t>
             </a:fld>
             <a:endParaRPr lang="en-US"/>
           </a:p>
@@ -2359,7 +2359,7 @@
           <a:p>
             <a:fld id="{78A69F99-32D1-4BAD-8B28-78324B83F8E4}" type="datetimeFigureOut">
               <a:rPr lang="en-US" smtClean="0"/>
-              <a:t>2/11/2020</a:t>
+              <a:t>2/12/2020</a:t>
             </a:fld>
             <a:endParaRPr lang="en-US"/>
           </a:p>
@@ -2621,7 +2621,7 @@
           <a:p>
             <a:fld id="{78A69F99-32D1-4BAD-8B28-78324B83F8E4}" type="datetimeFigureOut">
               <a:rPr lang="en-US" smtClean="0"/>
-              <a:t>2/11/2020</a:t>
+              <a:t>2/12/2020</a:t>
             </a:fld>
             <a:endParaRPr lang="en-US"/>
           </a:p>
@@ -2883,7 +2883,7 @@
           <a:p>
             <a:fld id="{78A69F99-32D1-4BAD-8B28-78324B83F8E4}" type="datetimeFigureOut">
               <a:rPr lang="en-US" smtClean="0"/>
-              <a:t>2/11/2020</a:t>
+              <a:t>2/12/2020</a:t>
             </a:fld>
             <a:endParaRPr lang="en-US"/>
           </a:p>
@@ -3212,7 +3212,7 @@
           <a:p>
             <a:fld id="{78A69F99-32D1-4BAD-8B28-78324B83F8E4}" type="datetimeFigureOut">
               <a:rPr lang="en-US" smtClean="0"/>
-              <a:t>2/11/2020</a:t>
+              <a:t>2/12/2020</a:t>
             </a:fld>
             <a:endParaRPr lang="en-US"/>
           </a:p>
@@ -3535,7 +3535,7 @@
           <a:p>
             <a:fld id="{78A69F99-32D1-4BAD-8B28-78324B83F8E4}" type="datetimeFigureOut">
               <a:rPr lang="en-US" smtClean="0"/>
-              <a:t>2/11/2020</a:t>
+              <a:t>2/12/2020</a:t>
             </a:fld>
             <a:endParaRPr lang="en-US"/>
           </a:p>
@@ -3992,7 +3992,7 @@
           <a:p>
             <a:fld id="{78A69F99-32D1-4BAD-8B28-78324B83F8E4}" type="datetimeFigureOut">
               <a:rPr lang="en-US" smtClean="0"/>
-              <a:t>2/11/2020</a:t>
+              <a:t>2/12/2020</a:t>
             </a:fld>
             <a:endParaRPr lang="en-US"/>
           </a:p>
@@ -4197,7 +4197,7 @@
           <a:p>
             <a:fld id="{78A69F99-32D1-4BAD-8B28-78324B83F8E4}" type="datetimeFigureOut">
               <a:rPr lang="en-US" smtClean="0"/>
-              <a:t>2/11/2020</a:t>
+              <a:t>2/12/2020</a:t>
             </a:fld>
             <a:endParaRPr lang="en-US"/>
           </a:p>
@@ -4374,7 +4374,7 @@
           <a:p>
             <a:fld id="{78A69F99-32D1-4BAD-8B28-78324B83F8E4}" type="datetimeFigureOut">
               <a:rPr lang="en-US" smtClean="0"/>
-              <a:t>2/11/2020</a:t>
+              <a:t>2/12/2020</a:t>
             </a:fld>
             <a:endParaRPr lang="en-US"/>
           </a:p>
@@ -4707,7 +4707,7 @@
           <a:p>
             <a:fld id="{78A69F99-32D1-4BAD-8B28-78324B83F8E4}" type="datetimeFigureOut">
               <a:rPr lang="en-US" smtClean="0"/>
-              <a:t>2/11/2020</a:t>
+              <a:t>2/12/2020</a:t>
             </a:fld>
             <a:endParaRPr lang="en-US"/>
           </a:p>
@@ -5052,7 +5052,7 @@
           <a:p>
             <a:fld id="{78A69F99-32D1-4BAD-8B28-78324B83F8E4}" type="datetimeFigureOut">
               <a:rPr lang="en-US" smtClean="0"/>
-              <a:t>2/11/2020</a:t>
+              <a:t>2/12/2020</a:t>
             </a:fld>
             <a:endParaRPr lang="en-US"/>
           </a:p>
@@ -7169,7 +7169,7 @@
           <a:p>
             <a:fld id="{78A69F99-32D1-4BAD-8B28-78324B83F8E4}" type="datetimeFigureOut">
               <a:rPr lang="en-US" smtClean="0"/>
-              <a:t>2/11/2020</a:t>
+              <a:t>2/12/2020</a:t>
             </a:fld>
             <a:endParaRPr lang="en-US"/>
           </a:p>
@@ -7694,7 +7694,7 @@
             <a:spLocks noGrp="1"/>
           </p:cNvSpPr>
           <p:nvPr>
-            <p:ph type="ctrTitle"/>
+            <p:ph type="title"/>
           </p:nvPr>
         </p:nvSpPr>
         <p:spPr/>
@@ -7705,28 +7705,39 @@
             <a:pPr algn="l"/>
             <a:r>
               <a:rPr lang="en-US" dirty="0" smtClean="0"/>
+              <a:t>What does your User ID consist of ?</a:t>
+            </a:r>
+            <a:endParaRPr lang="en-US" dirty="0"/>
+          </a:p>
+        </p:txBody>
+      </p:sp>
+      <p:sp>
+        <p:nvSpPr>
+          <p:cNvPr id="4" name="Text Placeholder 3"/>
+          <p:cNvSpPr>
+            <a:spLocks noGrp="1"/>
+          </p:cNvSpPr>
+          <p:nvPr>
+            <p:ph type="body" idx="1"/>
+          </p:nvPr>
+        </p:nvSpPr>
+        <p:spPr>
+          <a:xfrm>
+            <a:off x="2247690" y="3549815"/>
+            <a:ext cx="8915399" cy="1555864"/>
+          </a:xfrm>
+        </p:spPr>
+        <p:txBody>
+          <a:bodyPr>
+            <a:normAutofit/>
+          </a:bodyPr>
+          <a:lstStyle/>
+          <a:p>
+            <a:r>
+              <a:rPr lang="en-US" sz="4800" b="1" dirty="0" smtClean="0"/>
               <a:t>Strings</a:t>
             </a:r>
-            <a:endParaRPr lang="en-US" dirty="0"/>
-          </a:p>
-        </p:txBody>
-      </p:sp>
-      <p:sp>
-        <p:nvSpPr>
-          <p:cNvPr id="3" name="Subtitle 2"/>
-          <p:cNvSpPr>
-            <a:spLocks noGrp="1"/>
-          </p:cNvSpPr>
-          <p:nvPr>
-            <p:ph type="subTitle" idx="1"/>
-          </p:nvPr>
-        </p:nvSpPr>
-        <p:spPr/>
-        <p:txBody>
-          <a:bodyPr/>
-          <a:lstStyle/>
-          <a:p>
-            <a:endParaRPr lang="en-US" dirty="0"/>
+            <a:endParaRPr lang="en-US" sz="4800" b="1" dirty="0"/>
           </a:p>
         </p:txBody>
       </p:sp>
@@ -7740,96 +7751,143 @@
   <p:clrMapOvr>
     <a:masterClrMapping/>
   </p:clrMapOvr>
+  <p:timing>
+    <p:tnLst>
+      <p:par>
+        <p:cTn id="1" dur="indefinite" restart="never" nodeType="tmRoot">
+          <p:childTnLst>
+            <p:seq concurrent="1" nextAc="seek">
+              <p:cTn id="2" dur="indefinite" nodeType="mainSeq">
+                <p:childTnLst>
+                  <p:par>
+                    <p:cTn id="3" fill="hold">
+                      <p:stCondLst>
+                        <p:cond delay="indefinite"/>
+                      </p:stCondLst>
+                      <p:childTnLst>
+                        <p:par>
+                          <p:cTn id="4" fill="hold">
+                            <p:stCondLst>
+                              <p:cond delay="0"/>
+                            </p:stCondLst>
+                            <p:childTnLst>
+                              <p:par>
+                                <p:cTn id="5" presetID="2" presetClass="entr" presetSubtype="4" fill="hold" nodeType="clickEffect">
+                                  <p:stCondLst>
+                                    <p:cond delay="0"/>
+                                  </p:stCondLst>
+                                  <p:childTnLst>
+                                    <p:set>
+                                      <p:cBhvr>
+                                        <p:cTn id="6" dur="1" fill="hold">
+                                          <p:stCondLst>
+                                            <p:cond delay="0"/>
+                                          </p:stCondLst>
+                                        </p:cTn>
+                                        <p:tgtEl>
+                                          <p:spTgt spid="4">
+                                            <p:txEl>
+                                              <p:pRg st="0" end="0"/>
+                                            </p:txEl>
+                                          </p:spTgt>
+                                        </p:tgtEl>
+                                        <p:attrNameLst>
+                                          <p:attrName>style.visibility</p:attrName>
+                                        </p:attrNameLst>
+                                      </p:cBhvr>
+                                      <p:to>
+                                        <p:strVal val="visible"/>
+                                      </p:to>
+                                    </p:set>
+                                    <p:anim calcmode="lin" valueType="num">
+                                      <p:cBhvr additive="base">
+                                        <p:cTn id="7" dur="500" fill="hold"/>
+                                        <p:tgtEl>
+                                          <p:spTgt spid="4">
+                                            <p:txEl>
+                                              <p:pRg st="0" end="0"/>
+                                            </p:txEl>
+                                          </p:spTgt>
+                                        </p:tgtEl>
+                                        <p:attrNameLst>
+                                          <p:attrName>ppt_x</p:attrName>
+                                        </p:attrNameLst>
+                                      </p:cBhvr>
+                                      <p:tavLst>
+                                        <p:tav tm="0">
+                                          <p:val>
+                                            <p:strVal val="#ppt_x"/>
+                                          </p:val>
+                                        </p:tav>
+                                        <p:tav tm="100000">
+                                          <p:val>
+                                            <p:strVal val="#ppt_x"/>
+                                          </p:val>
+                                        </p:tav>
+                                      </p:tavLst>
+                                    </p:anim>
+                                    <p:anim calcmode="lin" valueType="num">
+                                      <p:cBhvr additive="base">
+                                        <p:cTn id="8" dur="500" fill="hold"/>
+                                        <p:tgtEl>
+                                          <p:spTgt spid="4">
+                                            <p:txEl>
+                                              <p:pRg st="0" end="0"/>
+                                            </p:txEl>
+                                          </p:spTgt>
+                                        </p:tgtEl>
+                                        <p:attrNameLst>
+                                          <p:attrName>ppt_y</p:attrName>
+                                        </p:attrNameLst>
+                                      </p:cBhvr>
+                                      <p:tavLst>
+                                        <p:tav tm="0">
+                                          <p:val>
+                                            <p:strVal val="1+#ppt_h/2"/>
+                                          </p:val>
+                                        </p:tav>
+                                        <p:tav tm="100000">
+                                          <p:val>
+                                            <p:strVal val="#ppt_y"/>
+                                          </p:val>
+                                        </p:tav>
+                                      </p:tavLst>
+                                    </p:anim>
+                                  </p:childTnLst>
+                                </p:cTn>
+                              </p:par>
+                            </p:childTnLst>
+                          </p:cTn>
+                        </p:par>
+                      </p:childTnLst>
+                    </p:cTn>
+                  </p:par>
+                </p:childTnLst>
+              </p:cTn>
+              <p:prevCondLst>
+                <p:cond evt="onPrev" delay="0">
+                  <p:tgtEl>
+                    <p:sldTgt/>
+                  </p:tgtEl>
+                </p:cond>
+              </p:prevCondLst>
+              <p:nextCondLst>
+                <p:cond evt="onNext" delay="0">
+                  <p:tgtEl>
+                    <p:sldTgt/>
+                  </p:tgtEl>
+                </p:cond>
+              </p:nextCondLst>
+            </p:seq>
+          </p:childTnLst>
+        </p:cTn>
+      </p:par>
+    </p:tnLst>
+  </p:timing>
 </p:sld>
 </file>
 
 <file path=ppt/slides/slide10.xml><?xml version="1.0" encoding="utf-8"?>
-<p:sld xmlns:a="http://schemas.openxmlformats.org/drawingml/2006/main" xmlns:r="http://schemas.openxmlformats.org/officeDocument/2006/relationships" xmlns:p="http://schemas.openxmlformats.org/presentationml/2006/main">
-  <p:cSld>
-    <p:spTree>
-      <p:nvGrpSpPr>
-        <p:cNvPr id="1" name=""/>
-        <p:cNvGrpSpPr/>
-        <p:nvPr/>
-      </p:nvGrpSpPr>
-      <p:grpSpPr>
-        <a:xfrm>
-          <a:off x="0" y="0"/>
-          <a:ext cx="0" cy="0"/>
-          <a:chOff x="0" y="0"/>
-          <a:chExt cx="0" cy="0"/>
-        </a:xfrm>
-      </p:grpSpPr>
-      <p:sp>
-        <p:nvSpPr>
-          <p:cNvPr id="2" name="Title 1"/>
-          <p:cNvSpPr>
-            <a:spLocks noGrp="1"/>
-          </p:cNvSpPr>
-          <p:nvPr>
-            <p:ph type="title"/>
-          </p:nvPr>
-        </p:nvSpPr>
-        <p:spPr/>
-        <p:txBody>
-          <a:bodyPr/>
-          <a:lstStyle/>
-          <a:p>
-            <a:r>
-              <a:rPr lang="en-US" dirty="0" err="1" smtClean="0"/>
-              <a:t>StringBuilder</a:t>
-            </a:r>
-            <a:r>
-              <a:rPr lang="en-US" dirty="0" smtClean="0"/>
-              <a:t> Functions</a:t>
-            </a:r>
-            <a:endParaRPr lang="en-US" dirty="0"/>
-          </a:p>
-        </p:txBody>
-      </p:sp>
-      <p:pic>
-        <p:nvPicPr>
-          <p:cNvPr id="6" name="Content Placeholder 5"/>
-          <p:cNvPicPr>
-            <a:picLocks noGrp="1" noChangeAspect="1"/>
-          </p:cNvPicPr>
-          <p:nvPr>
-            <p:ph idx="1"/>
-          </p:nvPr>
-        </p:nvPicPr>
-        <p:blipFill>
-          <a:blip r:embed="rId2">
-            <a:extLst>
-              <a:ext uri="{28A0092B-C50C-407E-A947-70E740481C1C}">
-                <a14:useLocalDpi xmlns:a14="http://schemas.microsoft.com/office/drawing/2010/main" val="0"/>
-              </a:ext>
-            </a:extLst>
-          </a:blip>
-          <a:stretch>
-            <a:fillRect/>
-          </a:stretch>
-        </p:blipFill>
-        <p:spPr>
-          <a:xfrm>
-            <a:off x="2368627" y="1322023"/>
-            <a:ext cx="8394853" cy="5188945"/>
-          </a:xfrm>
-        </p:spPr>
-      </p:pic>
-    </p:spTree>
-    <p:extLst>
-      <p:ext uri="{BB962C8B-B14F-4D97-AF65-F5344CB8AC3E}">
-        <p14:creationId xmlns:p14="http://schemas.microsoft.com/office/powerpoint/2010/main" val="1013473553"/>
-      </p:ext>
-    </p:extLst>
-  </p:cSld>
-  <p:clrMapOvr>
-    <a:masterClrMapping/>
-  </p:clrMapOvr>
-</p:sld>
-</file>
-
-<file path=ppt/slides/slide11.xml><?xml version="1.0" encoding="utf-8"?>
 <p:sld xmlns:a="http://schemas.openxmlformats.org/drawingml/2006/main" xmlns:r="http://schemas.openxmlformats.org/officeDocument/2006/relationships" xmlns:p="http://schemas.openxmlformats.org/presentationml/2006/main">
   <p:cSld>
     <p:spTree>
@@ -7912,6 +7970,145 @@
   <p:clrMapOvr>
     <a:masterClrMapping/>
   </p:clrMapOvr>
+  <p:timing>
+    <p:tnLst>
+      <p:par>
+        <p:cTn id="1" dur="indefinite" restart="never" nodeType="tmRoot"/>
+      </p:par>
+    </p:tnLst>
+  </p:timing>
+</p:sld>
+</file>
+
+<file path=ppt/slides/slide11.xml><?xml version="1.0" encoding="utf-8"?>
+<p:sld xmlns:a="http://schemas.openxmlformats.org/drawingml/2006/main" xmlns:r="http://schemas.openxmlformats.org/officeDocument/2006/relationships" xmlns:p="http://schemas.openxmlformats.org/presentationml/2006/main">
+  <p:cSld>
+    <p:spTree>
+      <p:nvGrpSpPr>
+        <p:cNvPr id="1" name=""/>
+        <p:cNvGrpSpPr/>
+        <p:nvPr/>
+      </p:nvGrpSpPr>
+      <p:grpSpPr>
+        <a:xfrm>
+          <a:off x="0" y="0"/>
+          <a:ext cx="0" cy="0"/>
+          <a:chOff x="0" y="0"/>
+          <a:chExt cx="0" cy="0"/>
+        </a:xfrm>
+      </p:grpSpPr>
+      <p:sp>
+        <p:nvSpPr>
+          <p:cNvPr id="2" name="Title 1"/>
+          <p:cNvSpPr>
+            <a:spLocks noGrp="1"/>
+          </p:cNvSpPr>
+          <p:nvPr>
+            <p:ph type="title"/>
+          </p:nvPr>
+        </p:nvSpPr>
+        <p:spPr/>
+        <p:txBody>
+          <a:bodyPr/>
+          <a:lstStyle/>
+          <a:p>
+            <a:r>
+              <a:rPr lang="en-US" dirty="0" smtClean="0"/>
+              <a:t>What we have learnt</a:t>
+            </a:r>
+            <a:endParaRPr lang="en-US" dirty="0"/>
+          </a:p>
+        </p:txBody>
+      </p:sp>
+      <p:sp>
+        <p:nvSpPr>
+          <p:cNvPr id="3" name="Content Placeholder 2"/>
+          <p:cNvSpPr>
+            <a:spLocks noGrp="1"/>
+          </p:cNvSpPr>
+          <p:nvPr>
+            <p:ph idx="1"/>
+          </p:nvPr>
+        </p:nvSpPr>
+        <p:spPr/>
+        <p:txBody>
+          <a:bodyPr/>
+          <a:lstStyle/>
+          <a:p>
+            <a:r>
+              <a:rPr lang="en-US" dirty="0"/>
+              <a:t>What is String</a:t>
+            </a:r>
+          </a:p>
+          <a:p>
+            <a:r>
+              <a:rPr lang="en-US" dirty="0"/>
+              <a:t>Memory Representation</a:t>
+            </a:r>
+          </a:p>
+          <a:p>
+            <a:r>
+              <a:rPr lang="en-US" dirty="0"/>
+              <a:t>Pooling </a:t>
+            </a:r>
+          </a:p>
+          <a:p>
+            <a:r>
+              <a:rPr lang="en-US" dirty="0"/>
+              <a:t>Why String is Immutable</a:t>
+            </a:r>
+          </a:p>
+          <a:p>
+            <a:r>
+              <a:rPr lang="en-US" dirty="0"/>
+              <a:t>String Functions</a:t>
+            </a:r>
+          </a:p>
+          <a:p>
+            <a:r>
+              <a:rPr lang="en-US" dirty="0"/>
+              <a:t>String Builder</a:t>
+            </a:r>
+          </a:p>
+          <a:p>
+            <a:r>
+              <a:rPr lang="en-US" dirty="0"/>
+              <a:t>String Builder Functions</a:t>
+            </a:r>
+          </a:p>
+          <a:p>
+            <a:r>
+              <a:rPr lang="en-US" dirty="0"/>
+              <a:t>String vs </a:t>
+            </a:r>
+            <a:r>
+              <a:rPr lang="en-US" dirty="0" err="1"/>
+              <a:t>StringBuilder</a:t>
+            </a:r>
+            <a:endParaRPr lang="en-US" dirty="0"/>
+          </a:p>
+          <a:p>
+            <a:endParaRPr lang="en-US" dirty="0"/>
+          </a:p>
+        </p:txBody>
+      </p:sp>
+    </p:spTree>
+    <p:extLst>
+      <p:ext uri="{BB962C8B-B14F-4D97-AF65-F5344CB8AC3E}">
+        <p14:creationId xmlns:p14="http://schemas.microsoft.com/office/powerpoint/2010/main" val="2276790834"/>
+      </p:ext>
+    </p:extLst>
+  </p:cSld>
+  <p:clrMapOvr>
+    <a:masterClrMapping/>
+  </p:clrMapOvr>
+  <p:timing>
+    <p:tnLst>
+      <p:par>
+        <p:cTn id="1" dur="indefinite" restart="never" nodeType="tmRoot"/>
+      </p:par>
+    </p:tnLst>
+  </p:timing>
 </p:sld>
 </file>
 
@@ -7984,6 +8181,13 @@
   <p:clrMapOvr>
     <a:masterClrMapping/>
   </p:clrMapOvr>
+  <p:timing>
+    <p:tnLst>
+      <p:par>
+        <p:cTn id="1" dur="indefinite" restart="never" nodeType="tmRoot"/>
+      </p:par>
+    </p:tnLst>
+  </p:timing>
 </p:sld>
 </file>
 
@@ -8051,11 +8255,7 @@
           <a:p>
             <a:r>
               <a:rPr lang="en-US" dirty="0" smtClean="0"/>
-              <a:t>Memory </a:t>
-            </a:r>
-            <a:r>
-              <a:rPr lang="en-US" dirty="0" smtClean="0"/>
-              <a:t>Representation</a:t>
+              <a:t>Memory Representation</a:t>
             </a:r>
           </a:p>
           <a:p>
@@ -8063,14 +8263,12 @@
               <a:rPr lang="en-US" dirty="0" smtClean="0"/>
               <a:t>Pooling </a:t>
             </a:r>
-            <a:endParaRPr lang="en-US" dirty="0" smtClean="0"/>
           </a:p>
           <a:p>
             <a:r>
               <a:rPr lang="en-US" dirty="0" smtClean="0"/>
               <a:t>Why String is Immutable</a:t>
             </a:r>
-            <a:endParaRPr lang="en-US" dirty="0" smtClean="0"/>
           </a:p>
           <a:p>
             <a:r>
@@ -8082,6 +8280,12 @@
             <a:r>
               <a:rPr lang="en-US" dirty="0" smtClean="0"/>
               <a:t>String Builder</a:t>
+            </a:r>
+          </a:p>
+          <a:p>
+            <a:r>
+              <a:rPr lang="en-US" dirty="0" smtClean="0"/>
+              <a:t>String Builder Functions</a:t>
             </a:r>
           </a:p>
           <a:p>
@@ -8110,6 +8314,13 @@
   <p:clrMapOvr>
     <a:masterClrMapping/>
   </p:clrMapOvr>
+  <p:timing>
+    <p:tnLst>
+      <p:par>
+        <p:cTn id="1" dur="indefinite" restart="never" nodeType="tmRoot"/>
+      </p:par>
+    </p:tnLst>
+  </p:timing>
 </p:sld>
 </file>
 
@@ -8283,133 +8494,17 @@
   <p:clrMapOvr>
     <a:masterClrMapping/>
   </p:clrMapOvr>
+  <p:timing>
+    <p:tnLst>
+      <p:par>
+        <p:cTn id="1" dur="indefinite" restart="never" nodeType="tmRoot"/>
+      </p:par>
+    </p:tnLst>
+  </p:timing>
 </p:sld>
 </file>
 
 <file path=ppt/slides/slide4.xml><?xml version="1.0" encoding="utf-8"?>
-<p:sld xmlns:a="http://schemas.openxmlformats.org/drawingml/2006/main" xmlns:r="http://schemas.openxmlformats.org/officeDocument/2006/relationships" xmlns:p="http://schemas.openxmlformats.org/presentationml/2006/main">
-  <p:cSld>
-    <p:spTree>
-      <p:nvGrpSpPr>
-        <p:cNvPr id="1" name=""/>
-        <p:cNvGrpSpPr/>
-        <p:nvPr/>
-      </p:nvGrpSpPr>
-      <p:grpSpPr>
-        <a:xfrm>
-          <a:off x="0" y="0"/>
-          <a:ext cx="0" cy="0"/>
-          <a:chOff x="0" y="0"/>
-          <a:chExt cx="0" cy="0"/>
-        </a:xfrm>
-      </p:grpSpPr>
-      <p:sp>
-        <p:nvSpPr>
-          <p:cNvPr id="2" name="Title 1"/>
-          <p:cNvSpPr>
-            <a:spLocks noGrp="1"/>
-          </p:cNvSpPr>
-          <p:nvPr>
-            <p:ph type="title"/>
-          </p:nvPr>
-        </p:nvSpPr>
-        <p:spPr/>
-        <p:txBody>
-          <a:bodyPr/>
-          <a:lstStyle/>
-          <a:p>
-            <a:r>
-              <a:rPr lang="en-US" dirty="0" smtClean="0"/>
-              <a:t>How to create a string</a:t>
-            </a:r>
-            <a:endParaRPr lang="en-US" dirty="0"/>
-          </a:p>
-        </p:txBody>
-      </p:sp>
-      <p:sp>
-        <p:nvSpPr>
-          <p:cNvPr id="3" name="Content Placeholder 2"/>
-          <p:cNvSpPr>
-            <a:spLocks noGrp="1"/>
-          </p:cNvSpPr>
-          <p:nvPr>
-            <p:ph idx="1"/>
-          </p:nvPr>
-        </p:nvSpPr>
-        <p:spPr/>
-        <p:txBody>
-          <a:bodyPr/>
-          <a:lstStyle/>
-          <a:p>
-            <a:r>
-              <a:rPr lang="en-US" dirty="0" smtClean="0"/>
-              <a:t>String Literal:</a:t>
-            </a:r>
-          </a:p>
-          <a:p>
-            <a:pPr marL="0" indent="0">
-              <a:buNone/>
-            </a:pPr>
-            <a:r>
-              <a:rPr lang="en-US" dirty="0"/>
-              <a:t> </a:t>
-            </a:r>
-            <a:r>
-              <a:rPr lang="en-US" dirty="0" smtClean="0"/>
-              <a:t>  String s = “</a:t>
-            </a:r>
-            <a:r>
-              <a:rPr lang="en-US" dirty="0" err="1" smtClean="0"/>
-              <a:t>chandu</a:t>
-            </a:r>
-            <a:r>
-              <a:rPr lang="en-US" dirty="0" smtClean="0"/>
-              <a:t>”;</a:t>
-            </a:r>
-          </a:p>
-          <a:p>
-            <a:r>
-              <a:rPr lang="en-US" dirty="0" smtClean="0"/>
-              <a:t>Using new keyword: </a:t>
-            </a:r>
-          </a:p>
-          <a:p>
-            <a:pPr marL="0" indent="0">
-              <a:buNone/>
-            </a:pPr>
-            <a:r>
-              <a:rPr lang="en-US" dirty="0" smtClean="0"/>
-              <a:t>String s = new String(“Java”);</a:t>
-            </a:r>
-          </a:p>
-          <a:p>
-            <a:pPr marL="0" indent="0">
-              <a:buNone/>
-            </a:pPr>
-            <a:endParaRPr lang="en-US" dirty="0" smtClean="0"/>
-          </a:p>
-          <a:p>
-            <a:pPr marL="0" indent="0">
-              <a:buNone/>
-            </a:pPr>
-            <a:endParaRPr lang="en-US" dirty="0"/>
-          </a:p>
-        </p:txBody>
-      </p:sp>
-    </p:spTree>
-    <p:extLst>
-      <p:ext uri="{BB962C8B-B14F-4D97-AF65-F5344CB8AC3E}">
-        <p14:creationId xmlns:p14="http://schemas.microsoft.com/office/powerpoint/2010/main" val="1696187578"/>
-      </p:ext>
-    </p:extLst>
-  </p:cSld>
-  <p:clrMapOvr>
-    <a:masterClrMapping/>
-  </p:clrMapOvr>
-</p:sld>
-</file>
-
-<file path=ppt/slides/slide5.xml><?xml version="1.0" encoding="utf-8"?>
 <p:sld xmlns:a="http://schemas.openxmlformats.org/drawingml/2006/main" xmlns:r="http://schemas.openxmlformats.org/officeDocument/2006/relationships" xmlns:p="http://schemas.openxmlformats.org/presentationml/2006/main">
   <p:cSld>
     <p:spTree>
@@ -8525,10 +8620,17 @@
   <p:clrMapOvr>
     <a:masterClrMapping/>
   </p:clrMapOvr>
+  <p:timing>
+    <p:tnLst>
+      <p:par>
+        <p:cTn id="1" dur="indefinite" restart="never" nodeType="tmRoot"/>
+      </p:par>
+    </p:tnLst>
+  </p:timing>
 </p:sld>
 </file>
 
-<file path=ppt/slides/slide6.xml><?xml version="1.0" encoding="utf-8"?>
+<file path=ppt/slides/slide5.xml><?xml version="1.0" encoding="utf-8"?>
 <p:sld xmlns:a="http://schemas.openxmlformats.org/drawingml/2006/main" xmlns:r="http://schemas.openxmlformats.org/officeDocument/2006/relationships" xmlns:p="http://schemas.openxmlformats.org/presentationml/2006/main">
   <p:cSld>
     <p:spTree>
@@ -8636,10 +8738,17 @@
   <p:clrMapOvr>
     <a:masterClrMapping/>
   </p:clrMapOvr>
+  <p:timing>
+    <p:tnLst>
+      <p:par>
+        <p:cTn id="1" dur="indefinite" restart="never" nodeType="tmRoot"/>
+      </p:par>
+    </p:tnLst>
+  </p:timing>
 </p:sld>
 </file>
 
-<file path=ppt/slides/slide7.xml><?xml version="1.0" encoding="utf-8"?>
+<file path=ppt/slides/slide6.xml><?xml version="1.0" encoding="utf-8"?>
 <p:sld xmlns:a="http://schemas.openxmlformats.org/drawingml/2006/main" xmlns:r="http://schemas.openxmlformats.org/officeDocument/2006/relationships" xmlns:p="http://schemas.openxmlformats.org/presentationml/2006/main">
   <p:cSld>
     <p:spTree>
@@ -8774,10 +8883,17 @@
   <p:clrMapOvr>
     <a:masterClrMapping/>
   </p:clrMapOvr>
+  <p:timing>
+    <p:tnLst>
+      <p:par>
+        <p:cTn id="1" dur="indefinite" restart="never" nodeType="tmRoot"/>
+      </p:par>
+    </p:tnLst>
+  </p:timing>
 </p:sld>
 </file>
 
-<file path=ppt/slides/slide8.xml><?xml version="1.0" encoding="utf-8"?>
+<file path=ppt/slides/slide7.xml><?xml version="1.0" encoding="utf-8"?>
 <p:sld xmlns:a="http://schemas.openxmlformats.org/drawingml/2006/main" xmlns:r="http://schemas.openxmlformats.org/officeDocument/2006/relationships" xmlns:p="http://schemas.openxmlformats.org/presentationml/2006/main">
   <p:cSld>
     <p:spTree>
@@ -8861,6 +8977,186 @@
   <p:clrMapOvr>
     <a:masterClrMapping/>
   </p:clrMapOvr>
+  <p:timing>
+    <p:tnLst>
+      <p:par>
+        <p:cTn id="1" dur="indefinite" restart="never" nodeType="tmRoot"/>
+      </p:par>
+    </p:tnLst>
+  </p:timing>
+</p:sld>
+</file>
+
+<file path=ppt/slides/slide8.xml><?xml version="1.0" encoding="utf-8"?>
+<p:sld xmlns:a="http://schemas.openxmlformats.org/drawingml/2006/main" xmlns:r="http://schemas.openxmlformats.org/officeDocument/2006/relationships" xmlns:p="http://schemas.openxmlformats.org/presentationml/2006/main">
+  <p:cSld>
+    <p:spTree>
+      <p:nvGrpSpPr>
+        <p:cNvPr id="1" name=""/>
+        <p:cNvGrpSpPr/>
+        <p:nvPr/>
+      </p:nvGrpSpPr>
+      <p:grpSpPr>
+        <a:xfrm>
+          <a:off x="0" y="0"/>
+          <a:ext cx="0" cy="0"/>
+          <a:chOff x="0" y="0"/>
+          <a:chExt cx="0" cy="0"/>
+        </a:xfrm>
+      </p:grpSpPr>
+      <p:sp>
+        <p:nvSpPr>
+          <p:cNvPr id="2" name="Title 1"/>
+          <p:cNvSpPr>
+            <a:spLocks noGrp="1"/>
+          </p:cNvSpPr>
+          <p:nvPr>
+            <p:ph type="title"/>
+          </p:nvPr>
+        </p:nvSpPr>
+        <p:spPr/>
+        <p:txBody>
+          <a:bodyPr/>
+          <a:lstStyle/>
+          <a:p>
+            <a:r>
+              <a:rPr lang="en-US" dirty="0" smtClean="0"/>
+              <a:t>String Builder</a:t>
+            </a:r>
+            <a:endParaRPr lang="en-US" dirty="0"/>
+          </a:p>
+        </p:txBody>
+      </p:sp>
+      <p:sp>
+        <p:nvSpPr>
+          <p:cNvPr id="3" name="Content Placeholder 2"/>
+          <p:cNvSpPr>
+            <a:spLocks noGrp="1"/>
+          </p:cNvSpPr>
+          <p:nvPr>
+            <p:ph idx="1"/>
+          </p:nvPr>
+        </p:nvSpPr>
+        <p:spPr/>
+        <p:txBody>
+          <a:bodyPr/>
+          <a:lstStyle/>
+          <a:p>
+            <a:r>
+              <a:rPr lang="en-US" dirty="0"/>
+              <a:t>Java </a:t>
+            </a:r>
+            <a:r>
+              <a:rPr lang="en-US" dirty="0" smtClean="0"/>
+              <a:t>String Builder </a:t>
+            </a:r>
+            <a:r>
+              <a:rPr lang="en-US" dirty="0"/>
+              <a:t>class is used to create mutable (modifiable) string</a:t>
+            </a:r>
+            <a:r>
+              <a:rPr lang="en-US" dirty="0" smtClean="0"/>
+              <a:t>.</a:t>
+            </a:r>
+          </a:p>
+          <a:p>
+            <a:r>
+              <a:rPr lang="en-US" dirty="0"/>
+              <a:t>it is non-synchronized</a:t>
+            </a:r>
+            <a:r>
+              <a:rPr lang="en-US" dirty="0" smtClean="0"/>
+              <a:t>.</a:t>
+            </a:r>
+          </a:p>
+          <a:p>
+            <a:r>
+              <a:rPr lang="en-US" dirty="0"/>
+              <a:t>It is available since JDK 1.5</a:t>
+            </a:r>
+            <a:r>
+              <a:rPr lang="en-US" dirty="0" smtClean="0"/>
+              <a:t>.</a:t>
+            </a:r>
+          </a:p>
+          <a:p>
+            <a:r>
+              <a:rPr lang="en-US" b="1" dirty="0" smtClean="0"/>
+              <a:t>Creating </a:t>
+            </a:r>
+            <a:r>
+              <a:rPr lang="en-US" b="1" dirty="0" smtClean="0"/>
+              <a:t>of String Builder Object:</a:t>
+            </a:r>
+            <a:endParaRPr lang="en-US" b="1" dirty="0"/>
+          </a:p>
+          <a:p>
+            <a:pPr marL="0" indent="0">
+              <a:buNone/>
+            </a:pPr>
+            <a:r>
+              <a:rPr lang="en-US" b="1" dirty="0" smtClean="0"/>
+              <a:t>       </a:t>
+            </a:r>
+            <a:r>
+              <a:rPr lang="en-US" dirty="0" err="1" smtClean="0"/>
+              <a:t>StringBuilder</a:t>
+            </a:r>
+            <a:r>
+              <a:rPr lang="en-US" dirty="0"/>
+              <a:t> </a:t>
+            </a:r>
+            <a:r>
+              <a:rPr lang="en-US" dirty="0" err="1"/>
+              <a:t>sb</a:t>
+            </a:r>
+            <a:r>
+              <a:rPr lang="en-US" dirty="0"/>
+              <a:t>=</a:t>
+            </a:r>
+            <a:r>
+              <a:rPr lang="en-US" b="1" dirty="0"/>
+              <a:t>new</a:t>
+            </a:r>
+            <a:r>
+              <a:rPr lang="en-US" dirty="0"/>
+              <a:t> </a:t>
+            </a:r>
+            <a:r>
+              <a:rPr lang="en-US" dirty="0" err="1"/>
+              <a:t>StringBuilder</a:t>
+            </a:r>
+            <a:r>
+              <a:rPr lang="en-US" dirty="0"/>
+              <a:t>("Hello ");</a:t>
+            </a:r>
+            <a:endParaRPr lang="en-US" dirty="0" smtClean="0"/>
+          </a:p>
+          <a:p>
+            <a:pPr marL="0" indent="0">
+              <a:buNone/>
+            </a:pPr>
+            <a:endParaRPr lang="en-US" dirty="0"/>
+          </a:p>
+        </p:txBody>
+      </p:sp>
+    </p:spTree>
+    <p:extLst>
+      <p:ext uri="{BB962C8B-B14F-4D97-AF65-F5344CB8AC3E}">
+        <p14:creationId xmlns:p14="http://schemas.microsoft.com/office/powerpoint/2010/main" val="312530788"/>
+      </p:ext>
+    </p:extLst>
+  </p:cSld>
+  <p:clrMapOvr>
+    <a:masterClrMapping/>
+  </p:clrMapOvr>
+  <p:timing>
+    <p:tnLst>
+      <p:par>
+        <p:cTn id="1" dur="indefinite" restart="never" nodeType="tmRoot"/>
+      </p:par>
+    </p:tnLst>
+  </p:timing>
 </p:sld>
 </file>
 
@@ -8897,132 +9193,63 @@
           <a:lstStyle/>
           <a:p>
             <a:r>
-              <a:rPr lang="en-US" dirty="0" smtClean="0"/>
-              <a:t>String Builder</a:t>
-            </a:r>
-            <a:endParaRPr lang="en-US" dirty="0"/>
-          </a:p>
-        </p:txBody>
-      </p:sp>
-      <p:sp>
-        <p:nvSpPr>
-          <p:cNvPr id="3" name="Content Placeholder 2"/>
-          <p:cNvSpPr>
-            <a:spLocks noGrp="1"/>
-          </p:cNvSpPr>
-          <p:nvPr>
-            <p:ph idx="1"/>
-          </p:nvPr>
-        </p:nvSpPr>
-        <p:spPr/>
-        <p:txBody>
-          <a:bodyPr/>
-          <a:lstStyle/>
-          <a:p>
-            <a:r>
-              <a:rPr lang="en-US" dirty="0"/>
-              <a:t>Java </a:t>
-            </a:r>
-            <a:r>
-              <a:rPr lang="en-US" dirty="0" err="1"/>
-              <a:t>StringBuilder</a:t>
-            </a:r>
-            <a:r>
-              <a:rPr lang="en-US" dirty="0"/>
-              <a:t> class is used to create mutable (modifiable) string</a:t>
-            </a:r>
-            <a:r>
-              <a:rPr lang="en-US" dirty="0" smtClean="0"/>
-              <a:t>.</a:t>
-            </a:r>
-          </a:p>
-          <a:p>
-            <a:r>
-              <a:rPr lang="en-US" dirty="0"/>
-              <a:t>it is non-synchronized</a:t>
-            </a:r>
-            <a:r>
-              <a:rPr lang="en-US" dirty="0" smtClean="0"/>
-              <a:t>.</a:t>
-            </a:r>
-          </a:p>
-          <a:p>
-            <a:r>
-              <a:rPr lang="en-US" dirty="0"/>
-              <a:t>It is available since JDK 1.5</a:t>
-            </a:r>
-            <a:r>
-              <a:rPr lang="en-US" dirty="0" smtClean="0"/>
-              <a:t>.</a:t>
-            </a:r>
-          </a:p>
-          <a:p>
-            <a:r>
-              <a:rPr lang="en-US" b="1" dirty="0" smtClean="0"/>
-              <a:t>Creation of String Builder Object:</a:t>
-            </a:r>
-            <a:endParaRPr lang="en-US" b="1" dirty="0"/>
-          </a:p>
-          <a:p>
-            <a:pPr marL="0" indent="0">
-              <a:buNone/>
-            </a:pPr>
-            <a:r>
-              <a:rPr lang="en-US" b="1" dirty="0" smtClean="0"/>
-              <a:t>       </a:t>
-            </a:r>
-            <a:r>
               <a:rPr lang="en-US" dirty="0" err="1" smtClean="0"/>
               <a:t>StringBuilder</a:t>
             </a:r>
             <a:r>
-              <a:rPr lang="en-US" dirty="0"/>
-              <a:t> </a:t>
-            </a:r>
-            <a:r>
-              <a:rPr lang="en-US" dirty="0" err="1"/>
-              <a:t>sb</a:t>
-            </a:r>
-            <a:r>
-              <a:rPr lang="en-US" dirty="0"/>
-              <a:t>=</a:t>
-            </a:r>
-            <a:r>
-              <a:rPr lang="en-US" b="1" dirty="0"/>
-              <a:t>new</a:t>
-            </a:r>
-            <a:r>
-              <a:rPr lang="en-US" dirty="0"/>
-              <a:t> </a:t>
-            </a:r>
-            <a:r>
-              <a:rPr lang="en-US" dirty="0" err="1"/>
-              <a:t>StringBuilder</a:t>
-            </a:r>
-            <a:r>
-              <a:rPr lang="en-US" dirty="0"/>
-              <a:t>("Hello ");</a:t>
-            </a:r>
-            <a:endParaRPr lang="en-US" dirty="0" smtClean="0"/>
-          </a:p>
-          <a:p>
-            <a:pPr marL="0" indent="0">
-              <a:buNone/>
-            </a:pPr>
+              <a:rPr lang="en-US" dirty="0" smtClean="0"/>
+              <a:t> Functions</a:t>
+            </a:r>
             <a:endParaRPr lang="en-US" dirty="0"/>
           </a:p>
         </p:txBody>
       </p:sp>
+      <p:pic>
+        <p:nvPicPr>
+          <p:cNvPr id="6" name="Content Placeholder 5"/>
+          <p:cNvPicPr>
+            <a:picLocks noGrp="1" noChangeAspect="1"/>
+          </p:cNvPicPr>
+          <p:nvPr>
+            <p:ph idx="1"/>
+          </p:nvPr>
+        </p:nvPicPr>
+        <p:blipFill>
+          <a:blip r:embed="rId2">
+            <a:extLst>
+              <a:ext uri="{28A0092B-C50C-407E-A947-70E740481C1C}">
+                <a14:useLocalDpi xmlns:a14="http://schemas.microsoft.com/office/drawing/2010/main" val="0"/>
+              </a:ext>
+            </a:extLst>
+          </a:blip>
+          <a:stretch>
+            <a:fillRect/>
+          </a:stretch>
+        </p:blipFill>
+        <p:spPr>
+          <a:xfrm>
+            <a:off x="2368627" y="1322023"/>
+            <a:ext cx="8394853" cy="5188945"/>
+          </a:xfrm>
+        </p:spPr>
+      </p:pic>
     </p:spTree>
     <p:extLst>
       <p:ext uri="{BB962C8B-B14F-4D97-AF65-F5344CB8AC3E}">
-        <p14:creationId xmlns:p14="http://schemas.microsoft.com/office/powerpoint/2010/main" val="312530788"/>
+        <p14:creationId xmlns:p14="http://schemas.microsoft.com/office/powerpoint/2010/main" val="1013473553"/>
       </p:ext>
     </p:extLst>
   </p:cSld>
   <p:clrMapOvr>
     <a:masterClrMapping/>
   </p:clrMapOvr>
+  <p:timing>
+    <p:tnLst>
+      <p:par>
+        <p:cTn id="1" dur="indefinite" restart="never" nodeType="tmRoot"/>
+      </p:par>
+    </p:tnLst>
+  </p:timing>
 </p:sld>
 </file>
 

--- a/New Microsoft PowerPoint Presentation (2).pptx
+++ b/New Microsoft PowerPoint Presentation (2).pptx
@@ -6,17 +6,18 @@
   </p:sldMasterIdLst>
   <p:sldIdLst>
     <p:sldId id="256" r:id="rId2"/>
-    <p:sldId id="257" r:id="rId3"/>
-    <p:sldId id="258" r:id="rId4"/>
-    <p:sldId id="260" r:id="rId5"/>
-    <p:sldId id="261" r:id="rId6"/>
-    <p:sldId id="262" r:id="rId7"/>
-    <p:sldId id="263" r:id="rId8"/>
-    <p:sldId id="264" r:id="rId9"/>
-    <p:sldId id="265" r:id="rId10"/>
-    <p:sldId id="266" r:id="rId11"/>
-    <p:sldId id="269" r:id="rId12"/>
-    <p:sldId id="267" r:id="rId13"/>
+    <p:sldId id="270" r:id="rId3"/>
+    <p:sldId id="257" r:id="rId4"/>
+    <p:sldId id="258" r:id="rId5"/>
+    <p:sldId id="260" r:id="rId6"/>
+    <p:sldId id="261" r:id="rId7"/>
+    <p:sldId id="262" r:id="rId8"/>
+    <p:sldId id="263" r:id="rId9"/>
+    <p:sldId id="264" r:id="rId10"/>
+    <p:sldId id="265" r:id="rId11"/>
+    <p:sldId id="266" r:id="rId12"/>
+    <p:sldId id="269" r:id="rId13"/>
+    <p:sldId id="267" r:id="rId14"/>
   </p:sldIdLst>
   <p:sldSz cx="12192000" cy="6858000"/>
   <p:notesSz cx="6858000" cy="9144000"/>
@@ -7723,7 +7724,7 @@
         </p:nvSpPr>
         <p:spPr>
           <a:xfrm>
-            <a:off x="2247690" y="3549815"/>
+            <a:off x="2137522" y="4089642"/>
             <a:ext cx="8915399" cy="1555864"/>
           </a:xfrm>
         </p:spPr>
@@ -7735,7 +7736,7 @@
           <a:p>
             <a:r>
               <a:rPr lang="en-US" sz="4800" b="1" dirty="0" smtClean="0"/>
-              <a:t>Strings</a:t>
+              <a:t> </a:t>
             </a:r>
             <a:endParaRPr lang="en-US" sz="4800" b="1" dirty="0"/>
           </a:p>
@@ -7920,6 +7921,99 @@
           <a:lstStyle/>
           <a:p>
             <a:r>
+              <a:rPr lang="en-US" dirty="0" err="1" smtClean="0"/>
+              <a:t>StringBuilder</a:t>
+            </a:r>
+            <a:r>
+              <a:rPr lang="en-US" dirty="0" smtClean="0"/>
+              <a:t> Functions</a:t>
+            </a:r>
+            <a:endParaRPr lang="en-US" dirty="0"/>
+          </a:p>
+        </p:txBody>
+      </p:sp>
+      <p:pic>
+        <p:nvPicPr>
+          <p:cNvPr id="6" name="Content Placeholder 5"/>
+          <p:cNvPicPr>
+            <a:picLocks noGrp="1" noChangeAspect="1"/>
+          </p:cNvPicPr>
+          <p:nvPr>
+            <p:ph idx="1"/>
+          </p:nvPr>
+        </p:nvPicPr>
+        <p:blipFill>
+          <a:blip r:embed="rId2">
+            <a:extLst>
+              <a:ext uri="{28A0092B-C50C-407E-A947-70E740481C1C}">
+                <a14:useLocalDpi xmlns:a14="http://schemas.microsoft.com/office/drawing/2010/main" val="0"/>
+              </a:ext>
+            </a:extLst>
+          </a:blip>
+          <a:stretch>
+            <a:fillRect/>
+          </a:stretch>
+        </p:blipFill>
+        <p:spPr>
+          <a:xfrm>
+            <a:off x="2368627" y="1322023"/>
+            <a:ext cx="8394853" cy="5188945"/>
+          </a:xfrm>
+        </p:spPr>
+      </p:pic>
+    </p:spTree>
+    <p:extLst>
+      <p:ext uri="{BB962C8B-B14F-4D97-AF65-F5344CB8AC3E}">
+        <p14:creationId xmlns:p14="http://schemas.microsoft.com/office/powerpoint/2010/main" val="1013473553"/>
+      </p:ext>
+    </p:extLst>
+  </p:cSld>
+  <p:clrMapOvr>
+    <a:masterClrMapping/>
+  </p:clrMapOvr>
+  <p:timing>
+    <p:tnLst>
+      <p:par>
+        <p:cTn id="1" dur="indefinite" restart="never" nodeType="tmRoot"/>
+      </p:par>
+    </p:tnLst>
+  </p:timing>
+</p:sld>
+</file>
+
+<file path=ppt/slides/slide11.xml><?xml version="1.0" encoding="utf-8"?>
+<p:sld xmlns:a="http://schemas.openxmlformats.org/drawingml/2006/main" xmlns:r="http://schemas.openxmlformats.org/officeDocument/2006/relationships" xmlns:p="http://schemas.openxmlformats.org/presentationml/2006/main">
+  <p:cSld>
+    <p:spTree>
+      <p:nvGrpSpPr>
+        <p:cNvPr id="1" name=""/>
+        <p:cNvGrpSpPr/>
+        <p:nvPr/>
+      </p:nvGrpSpPr>
+      <p:grpSpPr>
+        <a:xfrm>
+          <a:off x="0" y="0"/>
+          <a:ext cx="0" cy="0"/>
+          <a:chOff x="0" y="0"/>
+          <a:chExt cx="0" cy="0"/>
+        </a:xfrm>
+      </p:grpSpPr>
+      <p:sp>
+        <p:nvSpPr>
+          <p:cNvPr id="2" name="Title 1"/>
+          <p:cNvSpPr>
+            <a:spLocks noGrp="1"/>
+          </p:cNvSpPr>
+          <p:nvPr>
+            <p:ph type="title"/>
+          </p:nvPr>
+        </p:nvSpPr>
+        <p:spPr/>
+        <p:txBody>
+          <a:bodyPr/>
+          <a:lstStyle/>
+          <a:p>
+            <a:r>
               <a:rPr lang="en-US" dirty="0" smtClean="0"/>
               <a:t>String vs </a:t>
             </a:r>
@@ -7980,7 +8074,7 @@
 </p:sld>
 </file>
 
-<file path=ppt/slides/slide11.xml><?xml version="1.0" encoding="utf-8"?>
+<file path=ppt/slides/slide12.xml><?xml version="1.0" encoding="utf-8"?>
 <p:sld xmlns:a="http://schemas.openxmlformats.org/drawingml/2006/main" xmlns:r="http://schemas.openxmlformats.org/officeDocument/2006/relationships" xmlns:p="http://schemas.openxmlformats.org/presentationml/2006/main">
   <p:cSld>
     <p:spTree>
@@ -8112,7 +8206,7 @@
 </p:sld>
 </file>
 
-<file path=ppt/slides/slide12.xml><?xml version="1.0" encoding="utf-8"?>
+<file path=ppt/slides/slide13.xml><?xml version="1.0" encoding="utf-8"?>
 <p:sld xmlns:a="http://schemas.openxmlformats.org/drawingml/2006/main" xmlns:r="http://schemas.openxmlformats.org/officeDocument/2006/relationships" xmlns:p="http://schemas.openxmlformats.org/presentationml/2006/main">
   <p:cSld>
     <p:spTree>
@@ -8210,6 +8304,78 @@
       </p:grpSpPr>
       <p:sp>
         <p:nvSpPr>
+          <p:cNvPr id="4" name="Title 3"/>
+          <p:cNvSpPr>
+            <a:spLocks noGrp="1"/>
+          </p:cNvSpPr>
+          <p:nvPr>
+            <p:ph type="ctrTitle"/>
+          </p:nvPr>
+        </p:nvSpPr>
+        <p:spPr/>
+        <p:txBody>
+          <a:bodyPr/>
+          <a:lstStyle/>
+          <a:p>
+            <a:r>
+              <a:rPr lang="en-US" dirty="0" smtClean="0"/>
+              <a:t>STRINGS</a:t>
+            </a:r>
+            <a:endParaRPr lang="en-US" dirty="0"/>
+          </a:p>
+        </p:txBody>
+      </p:sp>
+      <p:sp>
+        <p:nvSpPr>
+          <p:cNvPr id="5" name="Subtitle 4"/>
+          <p:cNvSpPr>
+            <a:spLocks noGrp="1"/>
+          </p:cNvSpPr>
+          <p:nvPr>
+            <p:ph type="subTitle" idx="1"/>
+          </p:nvPr>
+        </p:nvSpPr>
+        <p:spPr/>
+        <p:txBody>
+          <a:bodyPr/>
+          <a:lstStyle/>
+          <a:p>
+            <a:endParaRPr lang="en-US"/>
+          </a:p>
+        </p:txBody>
+      </p:sp>
+    </p:spTree>
+    <p:extLst>
+      <p:ext uri="{BB962C8B-B14F-4D97-AF65-F5344CB8AC3E}">
+        <p14:creationId xmlns:p14="http://schemas.microsoft.com/office/powerpoint/2010/main" val="3162273496"/>
+      </p:ext>
+    </p:extLst>
+  </p:cSld>
+  <p:clrMapOvr>
+    <a:masterClrMapping/>
+  </p:clrMapOvr>
+</p:sld>
+</file>
+
+<file path=ppt/slides/slide3.xml><?xml version="1.0" encoding="utf-8"?>
+<p:sld xmlns:a="http://schemas.openxmlformats.org/drawingml/2006/main" xmlns:r="http://schemas.openxmlformats.org/officeDocument/2006/relationships" xmlns:p="http://schemas.openxmlformats.org/presentationml/2006/main">
+  <p:cSld>
+    <p:spTree>
+      <p:nvGrpSpPr>
+        <p:cNvPr id="1" name=""/>
+        <p:cNvGrpSpPr/>
+        <p:nvPr/>
+      </p:nvGrpSpPr>
+      <p:grpSpPr>
+        <a:xfrm>
+          <a:off x="0" y="0"/>
+          <a:ext cx="0" cy="0"/>
+          <a:chOff x="0" y="0"/>
+          <a:chExt cx="0" cy="0"/>
+        </a:xfrm>
+      </p:grpSpPr>
+      <p:sp>
+        <p:nvSpPr>
           <p:cNvPr id="2" name="Title 1"/>
           <p:cNvSpPr>
             <a:spLocks noGrp="1"/>
@@ -8324,7 +8490,7 @@
 </p:sld>
 </file>
 
-<file path=ppt/slides/slide3.xml><?xml version="1.0" encoding="utf-8"?>
+<file path=ppt/slides/slide4.xml><?xml version="1.0" encoding="utf-8"?>
 <p:sld xmlns:a="http://schemas.openxmlformats.org/drawingml/2006/main" xmlns:r="http://schemas.openxmlformats.org/officeDocument/2006/relationships" xmlns:p="http://schemas.openxmlformats.org/presentationml/2006/main">
   <p:cSld>
     <p:spTree>
@@ -8504,7 +8670,7 @@
 </p:sld>
 </file>
 
-<file path=ppt/slides/slide4.xml><?xml version="1.0" encoding="utf-8"?>
+<file path=ppt/slides/slide5.xml><?xml version="1.0" encoding="utf-8"?>
 <p:sld xmlns:a="http://schemas.openxmlformats.org/drawingml/2006/main" xmlns:r="http://schemas.openxmlformats.org/officeDocument/2006/relationships" xmlns:p="http://schemas.openxmlformats.org/presentationml/2006/main">
   <p:cSld>
     <p:spTree>
@@ -8630,7 +8796,7 @@
 </p:sld>
 </file>
 
-<file path=ppt/slides/slide5.xml><?xml version="1.0" encoding="utf-8"?>
+<file path=ppt/slides/slide6.xml><?xml version="1.0" encoding="utf-8"?>
 <p:sld xmlns:a="http://schemas.openxmlformats.org/drawingml/2006/main" xmlns:r="http://schemas.openxmlformats.org/officeDocument/2006/relationships" xmlns:p="http://schemas.openxmlformats.org/presentationml/2006/main">
   <p:cSld>
     <p:spTree>
@@ -8748,7 +8914,7 @@
 </p:sld>
 </file>
 
-<file path=ppt/slides/slide6.xml><?xml version="1.0" encoding="utf-8"?>
+<file path=ppt/slides/slide7.xml><?xml version="1.0" encoding="utf-8"?>
 <p:sld xmlns:a="http://schemas.openxmlformats.org/drawingml/2006/main" xmlns:r="http://schemas.openxmlformats.org/officeDocument/2006/relationships" xmlns:p="http://schemas.openxmlformats.org/presentationml/2006/main">
   <p:cSld>
     <p:spTree>
@@ -8893,7 +9059,7 @@
 </p:sld>
 </file>
 
-<file path=ppt/slides/slide7.xml><?xml version="1.0" encoding="utf-8"?>
+<file path=ppt/slides/slide8.xml><?xml version="1.0" encoding="utf-8"?>
 <p:sld xmlns:a="http://schemas.openxmlformats.org/drawingml/2006/main" xmlns:r="http://schemas.openxmlformats.org/officeDocument/2006/relationships" xmlns:p="http://schemas.openxmlformats.org/presentationml/2006/main">
   <p:cSld>
     <p:spTree>
@@ -8987,179 +9153,6 @@
 </p:sld>
 </file>
 
-<file path=ppt/slides/slide8.xml><?xml version="1.0" encoding="utf-8"?>
-<p:sld xmlns:a="http://schemas.openxmlformats.org/drawingml/2006/main" xmlns:r="http://schemas.openxmlformats.org/officeDocument/2006/relationships" xmlns:p="http://schemas.openxmlformats.org/presentationml/2006/main">
-  <p:cSld>
-    <p:spTree>
-      <p:nvGrpSpPr>
-        <p:cNvPr id="1" name=""/>
-        <p:cNvGrpSpPr/>
-        <p:nvPr/>
-      </p:nvGrpSpPr>
-      <p:grpSpPr>
-        <a:xfrm>
-          <a:off x="0" y="0"/>
-          <a:ext cx="0" cy="0"/>
-          <a:chOff x="0" y="0"/>
-          <a:chExt cx="0" cy="0"/>
-        </a:xfrm>
-      </p:grpSpPr>
-      <p:sp>
-        <p:nvSpPr>
-          <p:cNvPr id="2" name="Title 1"/>
-          <p:cNvSpPr>
-            <a:spLocks noGrp="1"/>
-          </p:cNvSpPr>
-          <p:nvPr>
-            <p:ph type="title"/>
-          </p:nvPr>
-        </p:nvSpPr>
-        <p:spPr/>
-        <p:txBody>
-          <a:bodyPr/>
-          <a:lstStyle/>
-          <a:p>
-            <a:r>
-              <a:rPr lang="en-US" dirty="0" smtClean="0"/>
-              <a:t>String Builder</a:t>
-            </a:r>
-            <a:endParaRPr lang="en-US" dirty="0"/>
-          </a:p>
-        </p:txBody>
-      </p:sp>
-      <p:sp>
-        <p:nvSpPr>
-          <p:cNvPr id="3" name="Content Placeholder 2"/>
-          <p:cNvSpPr>
-            <a:spLocks noGrp="1"/>
-          </p:cNvSpPr>
-          <p:nvPr>
-            <p:ph idx="1"/>
-          </p:nvPr>
-        </p:nvSpPr>
-        <p:spPr/>
-        <p:txBody>
-          <a:bodyPr/>
-          <a:lstStyle/>
-          <a:p>
-            <a:r>
-              <a:rPr lang="en-US" dirty="0"/>
-              <a:t>Java </a:t>
-            </a:r>
-            <a:r>
-              <a:rPr lang="en-US" dirty="0" smtClean="0"/>
-              <a:t>String Builder </a:t>
-            </a:r>
-            <a:r>
-              <a:rPr lang="en-US" dirty="0"/>
-              <a:t>class is used to create mutable (modifiable) string</a:t>
-            </a:r>
-            <a:r>
-              <a:rPr lang="en-US" dirty="0" smtClean="0"/>
-              <a:t>.</a:t>
-            </a:r>
-          </a:p>
-          <a:p>
-            <a:r>
-              <a:rPr lang="en-US" dirty="0"/>
-              <a:t>it is non-synchronized</a:t>
-            </a:r>
-            <a:r>
-              <a:rPr lang="en-US" dirty="0" smtClean="0"/>
-              <a:t>.</a:t>
-            </a:r>
-          </a:p>
-          <a:p>
-            <a:r>
-              <a:rPr lang="en-US" dirty="0"/>
-              <a:t>It is available since JDK 1.5</a:t>
-            </a:r>
-            <a:r>
-              <a:rPr lang="en-US" dirty="0" smtClean="0"/>
-              <a:t>.</a:t>
-            </a:r>
-          </a:p>
-          <a:p>
-            <a:r>
-              <a:rPr lang="en-US" b="1" dirty="0" smtClean="0"/>
-              <a:t>Creating </a:t>
-            </a:r>
-            <a:r>
-              <a:rPr lang="en-US" b="1" dirty="0" smtClean="0"/>
-              <a:t>of String Builder Object:</a:t>
-            </a:r>
-            <a:endParaRPr lang="en-US" b="1" dirty="0"/>
-          </a:p>
-          <a:p>
-            <a:pPr marL="0" indent="0">
-              <a:buNone/>
-            </a:pPr>
-            <a:r>
-              <a:rPr lang="en-US" b="1" dirty="0" smtClean="0"/>
-              <a:t>       </a:t>
-            </a:r>
-            <a:r>
-              <a:rPr lang="en-US" dirty="0" err="1" smtClean="0"/>
-              <a:t>StringBuilder</a:t>
-            </a:r>
-            <a:r>
-              <a:rPr lang="en-US" dirty="0"/>
-              <a:t> </a:t>
-            </a:r>
-            <a:r>
-              <a:rPr lang="en-US" dirty="0" err="1"/>
-              <a:t>sb</a:t>
-            </a:r>
-            <a:r>
-              <a:rPr lang="en-US" dirty="0"/>
-              <a:t>=</a:t>
-            </a:r>
-            <a:r>
-              <a:rPr lang="en-US" b="1" dirty="0"/>
-              <a:t>new</a:t>
-            </a:r>
-            <a:r>
-              <a:rPr lang="en-US" dirty="0"/>
-              <a:t> </a:t>
-            </a:r>
-            <a:r>
-              <a:rPr lang="en-US" dirty="0" err="1"/>
-              <a:t>StringBuilder</a:t>
-            </a:r>
-            <a:r>
-              <a:rPr lang="en-US" dirty="0"/>
-              <a:t>("Hello ");</a:t>
-            </a:r>
-            <a:endParaRPr lang="en-US" dirty="0" smtClean="0"/>
-          </a:p>
-          <a:p>
-            <a:pPr marL="0" indent="0">
-              <a:buNone/>
-            </a:pPr>
-            <a:endParaRPr lang="en-US" dirty="0"/>
-          </a:p>
-        </p:txBody>
-      </p:sp>
-    </p:spTree>
-    <p:extLst>
-      <p:ext uri="{BB962C8B-B14F-4D97-AF65-F5344CB8AC3E}">
-        <p14:creationId xmlns:p14="http://schemas.microsoft.com/office/powerpoint/2010/main" val="312530788"/>
-      </p:ext>
-    </p:extLst>
-  </p:cSld>
-  <p:clrMapOvr>
-    <a:masterClrMapping/>
-  </p:clrMapOvr>
-  <p:timing>
-    <p:tnLst>
-      <p:par>
-        <p:cTn id="1" dur="indefinite" restart="never" nodeType="tmRoot"/>
-      </p:par>
-    </p:tnLst>
-  </p:timing>
-</p:sld>
-</file>
-
 <file path=ppt/slides/slide9.xml><?xml version="1.0" encoding="utf-8"?>
 <p:sld xmlns:a="http://schemas.openxmlformats.org/drawingml/2006/main" xmlns:r="http://schemas.openxmlformats.org/officeDocument/2006/relationships" xmlns:p="http://schemas.openxmlformats.org/presentationml/2006/main">
   <p:cSld>
@@ -9193,50 +9186,126 @@
           <a:lstStyle/>
           <a:p>
             <a:r>
+              <a:rPr lang="en-US" dirty="0" smtClean="0"/>
+              <a:t>String Builder</a:t>
+            </a:r>
+            <a:endParaRPr lang="en-US" dirty="0"/>
+          </a:p>
+        </p:txBody>
+      </p:sp>
+      <p:sp>
+        <p:nvSpPr>
+          <p:cNvPr id="3" name="Content Placeholder 2"/>
+          <p:cNvSpPr>
+            <a:spLocks noGrp="1"/>
+          </p:cNvSpPr>
+          <p:nvPr>
+            <p:ph idx="1"/>
+          </p:nvPr>
+        </p:nvSpPr>
+        <p:spPr/>
+        <p:txBody>
+          <a:bodyPr/>
+          <a:lstStyle/>
+          <a:p>
+            <a:r>
+              <a:rPr lang="en-US" dirty="0"/>
+              <a:t>Java </a:t>
+            </a:r>
+            <a:r>
+              <a:rPr lang="en-US" dirty="0" smtClean="0"/>
+              <a:t>String Builder </a:t>
+            </a:r>
+            <a:r>
+              <a:rPr lang="en-US" dirty="0"/>
+              <a:t>class is used to create mutable (modifiable) string</a:t>
+            </a:r>
+            <a:r>
+              <a:rPr lang="en-US" dirty="0" smtClean="0"/>
+              <a:t>.</a:t>
+            </a:r>
+          </a:p>
+          <a:p>
+            <a:r>
+              <a:rPr lang="en-US" dirty="0"/>
+              <a:t>it is non-synchronized</a:t>
+            </a:r>
+            <a:r>
+              <a:rPr lang="en-US" dirty="0" smtClean="0"/>
+              <a:t>.</a:t>
+            </a:r>
+          </a:p>
+          <a:p>
+            <a:r>
+              <a:rPr lang="en-US" dirty="0"/>
+              <a:t>It is available since JDK 1.5</a:t>
+            </a:r>
+            <a:r>
+              <a:rPr lang="en-US" dirty="0" smtClean="0"/>
+              <a:t>.</a:t>
+            </a:r>
+          </a:p>
+          <a:p>
+            <a:r>
+              <a:rPr lang="en-US" b="1" dirty="0" smtClean="0"/>
+              <a:t>Creating of String Builder Object:</a:t>
+            </a:r>
+            <a:endParaRPr lang="en-US" b="1" dirty="0"/>
+          </a:p>
+          <a:p>
+            <a:pPr marL="0" indent="0">
+              <a:buNone/>
+            </a:pPr>
+            <a:r>
+              <a:rPr lang="en-US" b="1" dirty="0" smtClean="0"/>
+              <a:t>       </a:t>
+            </a:r>
+            <a:r>
               <a:rPr lang="en-US" dirty="0" err="1" smtClean="0"/>
               <a:t>StringBuilder</a:t>
             </a:r>
             <a:r>
-              <a:rPr lang="en-US" dirty="0" smtClean="0"/>
-              <a:t> Functions</a:t>
-            </a:r>
+              <a:rPr lang="en-US" dirty="0"/>
+              <a:t> </a:t>
+            </a:r>
+            <a:r>
+              <a:rPr lang="en-US" dirty="0" err="1"/>
+              <a:t>sb</a:t>
+            </a:r>
+            <a:r>
+              <a:rPr lang="en-US" dirty="0"/>
+              <a:t>=</a:t>
+            </a:r>
+            <a:r>
+              <a:rPr lang="en-US" b="1" dirty="0"/>
+              <a:t>new</a:t>
+            </a:r>
+            <a:r>
+              <a:rPr lang="en-US" dirty="0"/>
+              <a:t> </a:t>
+            </a:r>
+            <a:r>
+              <a:rPr lang="en-US" dirty="0" err="1"/>
+              <a:t>StringBuilder</a:t>
+            </a:r>
+            <a:r>
+              <a:rPr lang="en-US" dirty="0"/>
+              <a:t>("Hello ");</a:t>
+            </a:r>
+            <a:endParaRPr lang="en-US" dirty="0" smtClean="0"/>
+          </a:p>
+          <a:p>
+            <a:pPr marL="0" indent="0">
+              <a:buNone/>
+            </a:pPr>
             <a:endParaRPr lang="en-US" dirty="0"/>
           </a:p>
         </p:txBody>
       </p:sp>
-      <p:pic>
-        <p:nvPicPr>
-          <p:cNvPr id="6" name="Content Placeholder 5"/>
-          <p:cNvPicPr>
-            <a:picLocks noGrp="1" noChangeAspect="1"/>
-          </p:cNvPicPr>
-          <p:nvPr>
-            <p:ph idx="1"/>
-          </p:nvPr>
-        </p:nvPicPr>
-        <p:blipFill>
-          <a:blip r:embed="rId2">
-            <a:extLst>
-              <a:ext uri="{28A0092B-C50C-407E-A947-70E740481C1C}">
-                <a14:useLocalDpi xmlns:a14="http://schemas.microsoft.com/office/drawing/2010/main" val="0"/>
-              </a:ext>
-            </a:extLst>
-          </a:blip>
-          <a:stretch>
-            <a:fillRect/>
-          </a:stretch>
-        </p:blipFill>
-        <p:spPr>
-          <a:xfrm>
-            <a:off x="2368627" y="1322023"/>
-            <a:ext cx="8394853" cy="5188945"/>
-          </a:xfrm>
-        </p:spPr>
-      </p:pic>
     </p:spTree>
     <p:extLst>
       <p:ext uri="{BB962C8B-B14F-4D97-AF65-F5344CB8AC3E}">
-        <p14:creationId xmlns:p14="http://schemas.microsoft.com/office/powerpoint/2010/main" val="1013473553"/>
+        <p14:creationId xmlns:p14="http://schemas.microsoft.com/office/powerpoint/2010/main" val="312530788"/>
       </p:ext>
     </p:extLst>
   </p:cSld>

--- a/New Microsoft PowerPoint Presentation (2).pptx
+++ b/New Microsoft PowerPoint Presentation (2).pptx
@@ -7706,7 +7706,23 @@
             <a:pPr algn="l"/>
             <a:r>
               <a:rPr lang="en-US" dirty="0" smtClean="0"/>
-              <a:t>What does your User ID consist of ?</a:t>
+              <a:t>What does your </a:t>
+            </a:r>
+            <a:r>
+              <a:rPr lang="en-US" dirty="0" smtClean="0"/>
+              <a:t>Gmail </a:t>
+            </a:r>
+            <a:r>
+              <a:rPr lang="en-US" dirty="0" err="1" smtClean="0"/>
+              <a:t>UserName</a:t>
+            </a:r>
+            <a:r>
+              <a:rPr lang="en-US" dirty="0" smtClean="0"/>
+              <a:t> consists </a:t>
+            </a:r>
+            <a:r>
+              <a:rPr lang="en-US" dirty="0" smtClean="0"/>
+              <a:t>of ?</a:t>
             </a:r>
             <a:endParaRPr lang="en-US" dirty="0"/>
           </a:p>
@@ -8948,7 +8964,7 @@
           <a:p>
             <a:r>
               <a:rPr lang="en-US" dirty="0" smtClean="0"/>
-              <a:t>Why String is Immutable</a:t>
+              <a:t>What Happens if String is mutable</a:t>
             </a:r>
             <a:endParaRPr lang="en-US" dirty="0"/>
           </a:p>

--- a/New Microsoft PowerPoint Presentation (2).pptx
+++ b/New Microsoft PowerPoint Presentation (2).pptx
@@ -17,7 +17,6 @@
     <p:sldId id="265" r:id="rId11"/>
     <p:sldId id="266" r:id="rId12"/>
     <p:sldId id="269" r:id="rId13"/>
-    <p:sldId id="267" r:id="rId14"/>
   </p:sldIdLst>
   <p:sldSz cx="12192000" cy="6858000"/>
   <p:notesSz cx="6858000" cy="9144000"/>
@@ -7706,11 +7705,7 @@
             <a:pPr algn="l"/>
             <a:r>
               <a:rPr lang="en-US" dirty="0" smtClean="0"/>
-              <a:t>What does your </a:t>
-            </a:r>
-            <a:r>
-              <a:rPr lang="en-US" dirty="0" smtClean="0"/>
-              <a:t>Gmail </a:t>
+              <a:t>What does your Gmail </a:t>
             </a:r>
             <a:r>
               <a:rPr lang="en-US" dirty="0" err="1" smtClean="0"/>
@@ -7718,11 +7713,7 @@
             </a:r>
             <a:r>
               <a:rPr lang="en-US" dirty="0" smtClean="0"/>
-              <a:t> consists </a:t>
-            </a:r>
-            <a:r>
-              <a:rPr lang="en-US" dirty="0" smtClean="0"/>
-              <a:t>of ?</a:t>
+              <a:t> consists of ?</a:t>
             </a:r>
             <a:endParaRPr lang="en-US" dirty="0"/>
           </a:p>
@@ -8206,85 +8197,6 @@
     <p:extLst>
       <p:ext uri="{BB962C8B-B14F-4D97-AF65-F5344CB8AC3E}">
         <p14:creationId xmlns:p14="http://schemas.microsoft.com/office/powerpoint/2010/main" val="2276790834"/>
-      </p:ext>
-    </p:extLst>
-  </p:cSld>
-  <p:clrMapOvr>
-    <a:masterClrMapping/>
-  </p:clrMapOvr>
-  <p:timing>
-    <p:tnLst>
-      <p:par>
-        <p:cTn id="1" dur="indefinite" restart="never" nodeType="tmRoot"/>
-      </p:par>
-    </p:tnLst>
-  </p:timing>
-</p:sld>
-</file>
-
-<file path=ppt/slides/slide13.xml><?xml version="1.0" encoding="utf-8"?>
-<p:sld xmlns:a="http://schemas.openxmlformats.org/drawingml/2006/main" xmlns:r="http://schemas.openxmlformats.org/officeDocument/2006/relationships" xmlns:p="http://schemas.openxmlformats.org/presentationml/2006/main">
-  <p:cSld>
-    <p:spTree>
-      <p:nvGrpSpPr>
-        <p:cNvPr id="1" name=""/>
-        <p:cNvGrpSpPr/>
-        <p:nvPr/>
-      </p:nvGrpSpPr>
-      <p:grpSpPr>
-        <a:xfrm>
-          <a:off x="0" y="0"/>
-          <a:ext cx="0" cy="0"/>
-          <a:chOff x="0" y="0"/>
-          <a:chExt cx="0" cy="0"/>
-        </a:xfrm>
-      </p:grpSpPr>
-      <p:sp>
-        <p:nvSpPr>
-          <p:cNvPr id="5" name="Subtitle 4"/>
-          <p:cNvSpPr>
-            <a:spLocks noGrp="1"/>
-          </p:cNvSpPr>
-          <p:nvPr>
-            <p:ph type="subTitle" idx="1"/>
-          </p:nvPr>
-        </p:nvSpPr>
-        <p:spPr/>
-        <p:txBody>
-          <a:bodyPr/>
-          <a:lstStyle/>
-          <a:p>
-            <a:endParaRPr lang="en-US"/>
-          </a:p>
-        </p:txBody>
-      </p:sp>
-      <p:sp>
-        <p:nvSpPr>
-          <p:cNvPr id="6" name="Title 5"/>
-          <p:cNvSpPr>
-            <a:spLocks noGrp="1"/>
-          </p:cNvSpPr>
-          <p:nvPr>
-            <p:ph type="ctrTitle"/>
-          </p:nvPr>
-        </p:nvSpPr>
-        <p:spPr/>
-        <p:txBody>
-          <a:bodyPr/>
-          <a:lstStyle/>
-          <a:p>
-            <a:r>
-              <a:rPr lang="en-US" smtClean="0"/>
-              <a:t>Thank You</a:t>
-            </a:r>
-            <a:endParaRPr lang="en-US"/>
-          </a:p>
-        </p:txBody>
-      </p:sp>
-    </p:spTree>
-    <p:extLst>
-      <p:ext uri="{BB962C8B-B14F-4D97-AF65-F5344CB8AC3E}">
-        <p14:creationId xmlns:p14="http://schemas.microsoft.com/office/powerpoint/2010/main" val="2239631449"/>
       </p:ext>
     </p:extLst>
   </p:cSld>
